--- a/Blood4Life/Sprint-3/Diagramas/Diagrama-de-ArquiteturaV3.pptx
+++ b/Blood4Life/Sprint-3/Diagramas/Diagrama-de-ArquiteturaV3.pptx
@@ -110,6 +110,14 @@
     </p:ext>
   </p:extLst>
 </p:presentation>
+</file>
+
+<file path=ppt/revisionInfo.xml><?xml version="1.0" encoding="utf-8"?>
+<p1510:revInfo xmlns:a="http://schemas.openxmlformats.org/drawingml/2006/main" xmlns:r="http://schemas.openxmlformats.org/officeDocument/2006/relationships" xmlns:p1510="http://schemas.microsoft.com/office/powerpoint/2015/10/main">
+  <p1510:revLst>
+    <p1510:client id="{79174527-8213-40C0-AA87-F36996CA56A5}" v="1" dt="2020-12-13T14:30:15.009"/>
+  </p1510:revLst>
+</p1510:revInfo>
 </file>
 
 <file path=ppt/changesInfos/changesInfo1.xml><?xml version="1.0" encoding="utf-8"?>
@@ -3121,15 +3129,7 @@
                   <a:schemeClr val="bg1"/>
                 </a:solidFill>
               </a:rPr>
-              <a:t>API </a:t>
-            </a:r>
-            <a:r>
-              <a:rPr lang="pt-BR" b="1" dirty="0" err="1">
-                <a:solidFill>
-                  <a:schemeClr val="bg1"/>
-                </a:solidFill>
-              </a:rPr>
-              <a:t>Leaflet</a:t>
+              <a:t>API Leaflet</a:t>
             </a:r>
             <a:endParaRPr lang="pt-BR" b="1" dirty="0">
               <a:solidFill>
@@ -3148,23 +3148,7 @@
                   <a:schemeClr val="bg1"/>
                 </a:solidFill>
               </a:rPr>
-              <a:t>[Container: API </a:t>
-            </a:r>
-            <a:r>
-              <a:rPr lang="pt-BR" sz="1400" dirty="0" err="1">
-                <a:solidFill>
-                  <a:schemeClr val="bg1"/>
-                </a:solidFill>
-              </a:rPr>
-              <a:t>Leaflet</a:t>
-            </a:r>
-            <a:r>
-              <a:rPr lang="pt-BR" sz="1400" dirty="0">
-                <a:solidFill>
-                  <a:schemeClr val="bg1"/>
-                </a:solidFill>
-              </a:rPr>
-              <a:t>]</a:t>
+              <a:t>[Container: API Leaflet]</a:t>
             </a:r>
             <a:endParaRPr lang="pt-BR" sz="1400" dirty="0">
               <a:solidFill>
@@ -4338,6 +4322,12 @@
 </file>
 
 <file path=customXml/item1.xml><?xml version="1.0" encoding="utf-8"?>
+<p:properties xmlns:p="http://schemas.microsoft.com/office/2006/metadata/properties" xmlns:xsi="http://www.w3.org/2001/XMLSchema-instance" xmlns:pc="http://schemas.microsoft.com/office/infopath/2007/PartnerControls">
+  <documentManagement/>
+</p:properties>
+</file>
+
+<file path=customXml/item2.xml><?xml version="1.0" encoding="utf-8"?>
 <ct:contentTypeSchema xmlns:ct="http://schemas.microsoft.com/office/2006/metadata/contentType" xmlns:ma="http://schemas.microsoft.com/office/2006/metadata/properties/metaAttributes" ct:_="" ma:_="" ma:contentTypeName="Document" ma:contentTypeID="0x01010037EB6548DE3D0B4FAB42E42BA2CC71F0" ma:contentTypeVersion="11" ma:contentTypeDescription="Create a new document." ma:contentTypeScope="" ma:versionID="600d5af200b187208d60c4c8f76d187b">
   <xsd:schema xmlns:xsd="http://www.w3.org/2001/XMLSchema" xmlns:xs="http://www.w3.org/2001/XMLSchema" xmlns:p="http://schemas.microsoft.com/office/2006/metadata/properties" xmlns:ns3="93aadb1b-f078-425f-a07f-e2cc4bed1fef" xmlns:ns4="fe025bb9-070a-4424-8929-b6cadbd5fdba" targetNamespace="http://schemas.microsoft.com/office/2006/metadata/properties" ma:root="true" ma:fieldsID="8fba56236f6461dba0d8860510fe65d7" ns3:_="" ns4:_="">
     <xsd:import namespace="93aadb1b-f078-425f-a07f-e2cc4bed1fef"/>
@@ -4548,12 +4538,6 @@
 </ct:contentTypeSchema>
 </file>
 
-<file path=customXml/item2.xml><?xml version="1.0" encoding="utf-8"?>
-<p:properties xmlns:p="http://schemas.microsoft.com/office/2006/metadata/properties" xmlns:xsi="http://www.w3.org/2001/XMLSchema-instance" xmlns:pc="http://schemas.microsoft.com/office/infopath/2007/PartnerControls">
-  <documentManagement/>
-</p:properties>
-</file>
-
 <file path=customXml/item3.xml><?xml version="1.0" encoding="utf-8"?>
 <?mso-contentType ?>
 <FormTemplates xmlns="http://schemas.microsoft.com/sharepoint/v3/contenttype/forms">
@@ -4564,6 +4548,23 @@
 </file>
 
 <file path=customXml/itemProps1.xml><?xml version="1.0" encoding="utf-8"?>
+<ds:datastoreItem xmlns:ds="http://schemas.openxmlformats.org/officeDocument/2006/customXml" ds:itemID="{D9FB9450-938F-4F67-8244-AE56B2CBE379}">
+  <ds:schemaRefs>
+    <ds:schemaRef ds:uri="93aadb1b-f078-425f-a07f-e2cc4bed1fef"/>
+    <ds:schemaRef ds:uri="fe025bb9-070a-4424-8929-b6cadbd5fdba"/>
+    <ds:schemaRef ds:uri="http://purl.org/dc/dcmitype/"/>
+    <ds:schemaRef ds:uri="http://purl.org/dc/elements/1.1/"/>
+    <ds:schemaRef ds:uri="http://purl.org/dc/terms/"/>
+    <ds:schemaRef ds:uri="http://schemas.microsoft.com/office/2006/documentManagement/types"/>
+    <ds:schemaRef ds:uri="http://schemas.microsoft.com/office/2006/metadata/properties"/>
+    <ds:schemaRef ds:uri="http://schemas.microsoft.com/office/infopath/2007/PartnerControls"/>
+    <ds:schemaRef ds:uri="http://schemas.openxmlformats.org/package/2006/metadata/core-properties"/>
+    <ds:schemaRef ds:uri="http://www.w3.org/XML/1998/namespace"/>
+  </ds:schemaRefs>
+</ds:datastoreItem>
+</file>
+
+<file path=customXml/itemProps2.xml><?xml version="1.0" encoding="utf-8"?>
 <ds:datastoreItem xmlns:ds="http://schemas.openxmlformats.org/officeDocument/2006/customXml" ds:itemID="{71705FB3-74A0-447B-88BF-4806BE3B3839}">
   <ds:schemaRefs>
     <ds:schemaRef ds:uri="93aadb1b-f078-425f-a07f-e2cc4bed1fef"/>
@@ -4582,23 +4583,6 @@
 </ds:datastoreItem>
 </file>
 
-<file path=customXml/itemProps2.xml><?xml version="1.0" encoding="utf-8"?>
-<ds:datastoreItem xmlns:ds="http://schemas.openxmlformats.org/officeDocument/2006/customXml" ds:itemID="{D9FB9450-938F-4F67-8244-AE56B2CBE379}">
-  <ds:schemaRefs>
-    <ds:schemaRef ds:uri="93aadb1b-f078-425f-a07f-e2cc4bed1fef"/>
-    <ds:schemaRef ds:uri="fe025bb9-070a-4424-8929-b6cadbd5fdba"/>
-    <ds:schemaRef ds:uri="http://purl.org/dc/dcmitype/"/>
-    <ds:schemaRef ds:uri="http://purl.org/dc/elements/1.1/"/>
-    <ds:schemaRef ds:uri="http://purl.org/dc/terms/"/>
-    <ds:schemaRef ds:uri="http://schemas.microsoft.com/office/2006/documentManagement/types"/>
-    <ds:schemaRef ds:uri="http://schemas.microsoft.com/office/2006/metadata/properties"/>
-    <ds:schemaRef ds:uri="http://schemas.microsoft.com/office/infopath/2007/PartnerControls"/>
-    <ds:schemaRef ds:uri="http://schemas.openxmlformats.org/package/2006/metadata/core-properties"/>
-    <ds:schemaRef ds:uri="http://www.w3.org/XML/1998/namespace"/>
-  </ds:schemaRefs>
-</ds:datastoreItem>
-</file>
-
 <file path=customXml/itemProps3.xml><?xml version="1.0" encoding="utf-8"?>
 <ds:datastoreItem xmlns:ds="http://schemas.openxmlformats.org/officeDocument/2006/customXml" ds:itemID="{276A1665-EA1D-462E-9728-1E0C6794E895}">
   <ds:schemaRefs>

--- a/Blood4Life/Sprint-3/Diagramas/Diagrama-de-ArquiteturaV3.pptx
+++ b/Blood4Life/Sprint-3/Diagramas/Diagrama-de-ArquiteturaV3.pptx
@@ -115,7 +115,7 @@
 <file path=ppt/revisionInfo.xml><?xml version="1.0" encoding="utf-8"?>
 <p1510:revInfo xmlns:a="http://schemas.openxmlformats.org/drawingml/2006/main" xmlns:r="http://schemas.openxmlformats.org/officeDocument/2006/relationships" xmlns:p1510="http://schemas.microsoft.com/office/powerpoint/2015/10/main">
   <p1510:revLst>
-    <p1510:client id="{79174527-8213-40C0-AA87-F36996CA56A5}" v="1" dt="2020-12-13T14:30:15.009"/>
+    <p1510:client id="{79174527-8213-40C0-AA87-F36996CA56A5}" v="4" dt="2020-12-14T21:04:52.257"/>
   </p1510:revLst>
 </p1510:revInfo>
 </file>
@@ -226,6 +226,94 @@
       </pc:sldChg>
     </pc:docChg>
   </pc:docChgLst>
+  <pc:docChgLst>
+    <pc:chgData name="Daniel Juncks" userId="0f121773a5ae8ec2" providerId="LiveId" clId="{79174527-8213-40C0-AA87-F36996CA56A5}"/>
+    <pc:docChg chg="undo custSel modSld">
+      <pc:chgData name="Daniel Juncks" userId="0f121773a5ae8ec2" providerId="LiveId" clId="{79174527-8213-40C0-AA87-F36996CA56A5}" dt="2020-12-14T21:04:45.395" v="158" actId="20577"/>
+      <pc:docMkLst>
+        <pc:docMk/>
+      </pc:docMkLst>
+      <pc:sldChg chg="addSp delSp modSp mod">
+        <pc:chgData name="Daniel Juncks" userId="0f121773a5ae8ec2" providerId="LiveId" clId="{79174527-8213-40C0-AA87-F36996CA56A5}" dt="2020-12-14T21:04:45.395" v="158" actId="20577"/>
+        <pc:sldMkLst>
+          <pc:docMk/>
+          <pc:sldMk cId="416413817" sldId="257"/>
+        </pc:sldMkLst>
+        <pc:spChg chg="mod">
+          <ac:chgData name="Daniel Juncks" userId="0f121773a5ae8ec2" providerId="LiveId" clId="{79174527-8213-40C0-AA87-F36996CA56A5}" dt="2020-12-14T21:03:50.909" v="38" actId="1076"/>
+          <ac:spMkLst>
+            <pc:docMk/>
+            <pc:sldMk cId="416413817" sldId="257"/>
+            <ac:spMk id="5" creationId="{E1127231-9D7F-426C-AC7F-9FCA6B6CE9EB}"/>
+          </ac:spMkLst>
+        </pc:spChg>
+        <pc:spChg chg="mod">
+          <ac:chgData name="Daniel Juncks" userId="0f121773a5ae8ec2" providerId="LiveId" clId="{79174527-8213-40C0-AA87-F36996CA56A5}" dt="2020-12-14T21:03:22.699" v="30" actId="1076"/>
+          <ac:spMkLst>
+            <pc:docMk/>
+            <pc:sldMk cId="416413817" sldId="257"/>
+            <ac:spMk id="11" creationId="{B64C3C57-5D29-41F3-8793-919059557BEA}"/>
+          </ac:spMkLst>
+        </pc:spChg>
+        <pc:spChg chg="add mod">
+          <ac:chgData name="Daniel Juncks" userId="0f121773a5ae8ec2" providerId="LiveId" clId="{79174527-8213-40C0-AA87-F36996CA56A5}" dt="2020-12-14T21:04:45.395" v="158" actId="20577"/>
+          <ac:spMkLst>
+            <pc:docMk/>
+            <pc:sldMk cId="416413817" sldId="257"/>
+            <ac:spMk id="17" creationId="{1DB48D8F-D766-4860-AFDD-E98A0D3FF9FF}"/>
+          </ac:spMkLst>
+        </pc:spChg>
+        <pc:spChg chg="mod">
+          <ac:chgData name="Daniel Juncks" userId="0f121773a5ae8ec2" providerId="LiveId" clId="{79174527-8213-40C0-AA87-F36996CA56A5}" dt="2020-12-14T21:03:26.487" v="31" actId="1076"/>
+          <ac:spMkLst>
+            <pc:docMk/>
+            <pc:sldMk cId="416413817" sldId="257"/>
+            <ac:spMk id="72" creationId="{B59B41E6-4B26-4489-882E-5A9BC52DF855}"/>
+          </ac:spMkLst>
+        </pc:spChg>
+        <pc:picChg chg="add del">
+          <ac:chgData name="Daniel Juncks" userId="0f121773a5ae8ec2" providerId="LiveId" clId="{79174527-8213-40C0-AA87-F36996CA56A5}" dt="2020-12-14T21:02:10.140" v="1" actId="22"/>
+          <ac:picMkLst>
+            <pc:docMk/>
+            <pc:sldMk cId="416413817" sldId="257"/>
+            <ac:picMk id="4" creationId="{10BA1ED9-2C84-4D68-AEEF-6105FDD1E5EC}"/>
+          </ac:picMkLst>
+        </pc:picChg>
+        <pc:cxnChg chg="mod">
+          <ac:chgData name="Daniel Juncks" userId="0f121773a5ae8ec2" providerId="LiveId" clId="{79174527-8213-40C0-AA87-F36996CA56A5}" dt="2020-12-14T21:03:37.943" v="36" actId="1076"/>
+          <ac:cxnSpMkLst>
+            <pc:docMk/>
+            <pc:sldMk cId="416413817" sldId="257"/>
+            <ac:cxnSpMk id="12" creationId="{9FD4755D-8092-478F-A77D-610598E4B0BB}"/>
+          </ac:cxnSpMkLst>
+        </pc:cxnChg>
+        <pc:cxnChg chg="add mod">
+          <ac:chgData name="Daniel Juncks" userId="0f121773a5ae8ec2" providerId="LiveId" clId="{79174527-8213-40C0-AA87-F36996CA56A5}" dt="2020-12-14T21:03:16.543" v="29" actId="1076"/>
+          <ac:cxnSpMkLst>
+            <pc:docMk/>
+            <pc:sldMk cId="416413817" sldId="257"/>
+            <ac:cxnSpMk id="22" creationId="{FC32B4C4-AE77-4E75-A718-7BE1D79C2A35}"/>
+          </ac:cxnSpMkLst>
+        </pc:cxnChg>
+        <pc:cxnChg chg="mod">
+          <ac:chgData name="Daniel Juncks" userId="0f121773a5ae8ec2" providerId="LiveId" clId="{79174527-8213-40C0-AA87-F36996CA56A5}" dt="2020-12-14T21:03:50.909" v="38" actId="1076"/>
+          <ac:cxnSpMkLst>
+            <pc:docMk/>
+            <pc:sldMk cId="416413817" sldId="257"/>
+            <ac:cxnSpMk id="51" creationId="{F4E95131-BE78-4D92-AD7C-09625AF48CC0}"/>
+          </ac:cxnSpMkLst>
+        </pc:cxnChg>
+        <pc:cxnChg chg="mod">
+          <ac:chgData name="Daniel Juncks" userId="0f121773a5ae8ec2" providerId="LiveId" clId="{79174527-8213-40C0-AA87-F36996CA56A5}" dt="2020-12-14T21:03:40.592" v="37" actId="1076"/>
+          <ac:cxnSpMkLst>
+            <pc:docMk/>
+            <pc:sldMk cId="416413817" sldId="257"/>
+            <ac:cxnSpMk id="83" creationId="{9AA639A7-DC25-4369-A9A3-875AC4C4B834}"/>
+          </ac:cxnSpMkLst>
+        </pc:cxnChg>
+      </pc:sldChg>
+    </pc:docChg>
+  </pc:docChgLst>
 </pc:chgInfo>
 </file>
 
@@ -358,7 +446,7 @@
           <a:p>
             <a:fld id="{C764DE79-268F-4C1A-8933-263129D2AF90}" type="datetimeFigureOut">
               <a:rPr lang="en-US" dirty="0"/>
-              <a:t>12/13/2020</a:t>
+              <a:t>12/14/2020</a:t>
             </a:fld>
             <a:endParaRPr lang="en-US"/>
           </a:p>
@@ -526,7 +614,7 @@
           <a:p>
             <a:fld id="{C764DE79-268F-4C1A-8933-263129D2AF90}" type="datetimeFigureOut">
               <a:rPr lang="en-US" dirty="0"/>
-              <a:t>12/13/2020</a:t>
+              <a:t>12/14/2020</a:t>
             </a:fld>
             <a:endParaRPr lang="en-US"/>
           </a:p>
@@ -704,7 +792,7 @@
           <a:p>
             <a:fld id="{C764DE79-268F-4C1A-8933-263129D2AF90}" type="datetimeFigureOut">
               <a:rPr lang="en-US" dirty="0"/>
-              <a:t>12/13/2020</a:t>
+              <a:t>12/14/2020</a:t>
             </a:fld>
             <a:endParaRPr lang="en-US"/>
           </a:p>
@@ -872,7 +960,7 @@
           <a:p>
             <a:fld id="{C764DE79-268F-4C1A-8933-263129D2AF90}" type="datetimeFigureOut">
               <a:rPr lang="en-US" dirty="0"/>
-              <a:t>12/13/2020</a:t>
+              <a:t>12/14/2020</a:t>
             </a:fld>
             <a:endParaRPr lang="en-US"/>
           </a:p>
@@ -1117,7 +1205,7 @@
           <a:p>
             <a:fld id="{C764DE79-268F-4C1A-8933-263129D2AF90}" type="datetimeFigureOut">
               <a:rPr lang="en-US" dirty="0"/>
-              <a:t>12/13/2020</a:t>
+              <a:t>12/14/2020</a:t>
             </a:fld>
             <a:endParaRPr lang="en-US"/>
           </a:p>
@@ -1346,7 +1434,7 @@
           <a:p>
             <a:fld id="{C764DE79-268F-4C1A-8933-263129D2AF90}" type="datetimeFigureOut">
               <a:rPr lang="en-US" dirty="0"/>
-              <a:t>12/13/2020</a:t>
+              <a:t>12/14/2020</a:t>
             </a:fld>
             <a:endParaRPr lang="en-US"/>
           </a:p>
@@ -1710,7 +1798,7 @@
           <a:p>
             <a:fld id="{C764DE79-268F-4C1A-8933-263129D2AF90}" type="datetimeFigureOut">
               <a:rPr lang="en-US" dirty="0"/>
-              <a:t>12/13/2020</a:t>
+              <a:t>12/14/2020</a:t>
             </a:fld>
             <a:endParaRPr lang="en-US"/>
           </a:p>
@@ -1827,7 +1915,7 @@
           <a:p>
             <a:fld id="{C764DE79-268F-4C1A-8933-263129D2AF90}" type="datetimeFigureOut">
               <a:rPr lang="en-US" dirty="0"/>
-              <a:t>12/13/2020</a:t>
+              <a:t>12/14/2020</a:t>
             </a:fld>
             <a:endParaRPr lang="en-US"/>
           </a:p>
@@ -1922,7 +2010,7 @@
           <a:p>
             <a:fld id="{C764DE79-268F-4C1A-8933-263129D2AF90}" type="datetimeFigureOut">
               <a:rPr lang="en-US" dirty="0"/>
-              <a:t>12/13/2020</a:t>
+              <a:t>12/14/2020</a:t>
             </a:fld>
             <a:endParaRPr lang="en-US"/>
           </a:p>
@@ -2197,7 +2285,7 @@
           <a:p>
             <a:fld id="{C764DE79-268F-4C1A-8933-263129D2AF90}" type="datetimeFigureOut">
               <a:rPr lang="en-US" dirty="0"/>
-              <a:t>12/13/2020</a:t>
+              <a:t>12/14/2020</a:t>
             </a:fld>
             <a:endParaRPr lang="en-US"/>
           </a:p>
@@ -2449,7 +2537,7 @@
           <a:p>
             <a:fld id="{C764DE79-268F-4C1A-8933-263129D2AF90}" type="datetimeFigureOut">
               <a:rPr lang="en-US" dirty="0"/>
-              <a:t>12/13/2020</a:t>
+              <a:t>12/14/2020</a:t>
             </a:fld>
             <a:endParaRPr lang="en-US"/>
           </a:p>
@@ -2660,7 +2748,7 @@
           <a:p>
             <a:fld id="{C764DE79-268F-4C1A-8933-263129D2AF90}" type="datetimeFigureOut">
               <a:rPr lang="en-US" dirty="0"/>
-              <a:t>12/13/2020</a:t>
+              <a:t>12/14/2020</a:t>
             </a:fld>
             <a:endParaRPr lang="en-US"/>
           </a:p>
@@ -3087,7 +3175,7 @@
         </p:nvSpPr>
         <p:spPr>
           <a:xfrm>
-            <a:off x="8660940" y="4531591"/>
+            <a:off x="9517599" y="4268003"/>
             <a:ext cx="2243798" cy="1940400"/>
           </a:xfrm>
           <a:prstGeom prst="rect">
@@ -3575,7 +3663,7 @@
         <p:spPr>
           <a:xfrm>
             <a:off x="9782839" y="3049661"/>
-            <a:ext cx="0" cy="1481930"/>
+            <a:ext cx="856659" cy="1218342"/>
           </a:xfrm>
           <a:prstGeom prst="straightConnector1">
             <a:avLst/>
@@ -3613,7 +3701,7 @@
         </p:nvSpPr>
         <p:spPr>
           <a:xfrm>
-            <a:off x="2976121" y="4539561"/>
+            <a:off x="1724750" y="4294046"/>
             <a:ext cx="2235728" cy="1940400"/>
           </a:xfrm>
           <a:prstGeom prst="rect">
@@ -3721,15 +3809,13 @@
           </p:cNvPr>
           <p:cNvCxnSpPr>
             <a:cxnSpLocks/>
-            <a:stCxn id="72" idx="0"/>
-            <a:endCxn id="8" idx="2"/>
           </p:cNvCxnSpPr>
           <p:nvPr/>
         </p:nvCxnSpPr>
         <p:spPr>
           <a:xfrm flipV="1">
-            <a:off x="4093985" y="3050631"/>
-            <a:ext cx="883223" cy="1488930"/>
+            <a:off x="2401734" y="3058435"/>
+            <a:ext cx="2134594" cy="1243415"/>
           </a:xfrm>
           <a:prstGeom prst="straightConnector1">
             <a:avLst/>
@@ -3767,7 +3853,7 @@
         </p:nvSpPr>
         <p:spPr>
           <a:xfrm>
-            <a:off x="5576375" y="4539561"/>
+            <a:off x="4414705" y="4294046"/>
             <a:ext cx="2243798" cy="1932430"/>
           </a:xfrm>
           <a:prstGeom prst="rect">
@@ -3869,15 +3955,13 @@
           </p:cNvPr>
           <p:cNvCxnSpPr>
             <a:cxnSpLocks/>
-            <a:stCxn id="8" idx="2"/>
-            <a:endCxn id="11" idx="0"/>
           </p:cNvCxnSpPr>
           <p:nvPr/>
         </p:nvCxnSpPr>
         <p:spPr>
           <a:xfrm>
-            <a:off x="4977208" y="3050631"/>
-            <a:ext cx="1721066" cy="1488930"/>
+            <a:off x="5271240" y="3024588"/>
+            <a:ext cx="559396" cy="1243415"/>
           </a:xfrm>
           <a:prstGeom prst="straightConnector1">
             <a:avLst/>
@@ -4047,6 +4131,153 @@
           </a:p>
         </p:txBody>
       </p:sp>
+      <p:sp>
+        <p:nvSpPr>
+          <p:cNvPr id="17" name="Retângulo 16">
+            <a:extLst>
+              <a:ext uri="{FF2B5EF4-FFF2-40B4-BE49-F238E27FC236}">
+                <a16:creationId xmlns:a16="http://schemas.microsoft.com/office/drawing/2014/main" id="{1DB48D8F-D766-4860-AFDD-E98A0D3FF9FF}"/>
+              </a:ext>
+            </a:extLst>
+          </p:cNvPr>
+          <p:cNvSpPr/>
+          <p:nvPr/>
+        </p:nvSpPr>
+        <p:spPr>
+          <a:xfrm>
+            <a:off x="6979645" y="4294046"/>
+            <a:ext cx="2243798" cy="1932430"/>
+          </a:xfrm>
+          <a:prstGeom prst="rect">
+            <a:avLst/>
+          </a:prstGeom>
+          <a:solidFill>
+            <a:srgbClr val="5580CB"/>
+          </a:solidFill>
+          <a:ln>
+            <a:solidFill>
+              <a:schemeClr val="tx1"/>
+            </a:solidFill>
+          </a:ln>
+        </p:spPr>
+        <p:style>
+          <a:lnRef idx="2">
+            <a:schemeClr val="accent6"/>
+          </a:lnRef>
+          <a:fillRef idx="1">
+            <a:schemeClr val="lt1"/>
+          </a:fillRef>
+          <a:effectRef idx="0">
+            <a:schemeClr val="accent6"/>
+          </a:effectRef>
+          <a:fontRef idx="minor">
+            <a:schemeClr val="dk1"/>
+          </a:fontRef>
+        </p:style>
+        <p:txBody>
+          <a:bodyPr lIns="91440" tIns="45720" rIns="91440" bIns="45720" rtlCol="0" anchor="ctr"/>
+          <a:lstStyle/>
+          <a:p>
+            <a:pPr algn="ctr">
+              <a:defRPr/>
+            </a:pPr>
+            <a:r>
+              <a:rPr lang="pt-BR" b="1" dirty="0">
+                <a:solidFill>
+                  <a:srgbClr val="FFFFFF"/>
+                </a:solidFill>
+              </a:rPr>
+              <a:t>API ViaCep</a:t>
+            </a:r>
+            <a:endParaRPr lang="pt-BR" b="1" dirty="0">
+              <a:solidFill>
+                <a:srgbClr val="FFFFFF"/>
+              </a:solidFill>
+              <a:cs typeface="Calibri"/>
+            </a:endParaRPr>
+          </a:p>
+          <a:p>
+            <a:pPr algn="ctr">
+              <a:defRPr/>
+            </a:pPr>
+            <a:r>
+              <a:rPr lang="pt-BR" sz="1400" dirty="0">
+                <a:solidFill>
+                  <a:srgbClr val="FFFFFF"/>
+                </a:solidFill>
+              </a:rPr>
+              <a:t>[Container: API ViaCep ] </a:t>
+            </a:r>
+          </a:p>
+          <a:p>
+            <a:pPr algn="ctr">
+              <a:defRPr/>
+            </a:pPr>
+            <a:endParaRPr lang="pt-BR" sz="1400" dirty="0">
+              <a:solidFill>
+                <a:srgbClr val="FFFFFF"/>
+              </a:solidFill>
+              <a:cs typeface="Calibri"/>
+            </a:endParaRPr>
+          </a:p>
+          <a:p>
+            <a:pPr algn="ctr">
+              <a:defRPr/>
+            </a:pPr>
+            <a:r>
+              <a:rPr lang="pt-BR" sz="1400" dirty="0">
+                <a:solidFill>
+                  <a:srgbClr val="FFFFFF"/>
+                </a:solidFill>
+                <a:cs typeface="Calibri"/>
+              </a:rPr>
+              <a:t>API para descobrir os endereços dos usuários através do cep</a:t>
+            </a:r>
+          </a:p>
+        </p:txBody>
+      </p:sp>
+      <p:cxnSp>
+        <p:nvCxnSpPr>
+          <p:cNvPr id="22" name="Conector de Seta Reta 21">
+            <a:extLst>
+              <a:ext uri="{FF2B5EF4-FFF2-40B4-BE49-F238E27FC236}">
+                <a16:creationId xmlns:a16="http://schemas.microsoft.com/office/drawing/2014/main" id="{FC32B4C4-AE77-4E75-A718-7BE1D79C2A35}"/>
+              </a:ext>
+            </a:extLst>
+          </p:cNvPr>
+          <p:cNvCxnSpPr>
+            <a:cxnSpLocks/>
+            <a:endCxn id="17" idx="0"/>
+          </p:cNvCxnSpPr>
+          <p:nvPr/>
+        </p:nvCxnSpPr>
+        <p:spPr>
+          <a:xfrm flipH="1">
+            <a:off x="8101544" y="2998546"/>
+            <a:ext cx="1247842" cy="1295500"/>
+          </a:xfrm>
+          <a:prstGeom prst="straightConnector1">
+            <a:avLst/>
+          </a:prstGeom>
+          <a:ln>
+            <a:tailEnd type="triangle"/>
+          </a:ln>
+        </p:spPr>
+        <p:style>
+          <a:lnRef idx="1">
+            <a:schemeClr val="dk1"/>
+          </a:lnRef>
+          <a:fillRef idx="0">
+            <a:schemeClr val="dk1"/>
+          </a:fillRef>
+          <a:effectRef idx="0">
+            <a:schemeClr val="dk1"/>
+          </a:effectRef>
+          <a:fontRef idx="minor">
+            <a:schemeClr val="tx1"/>
+          </a:fontRef>
+        </p:style>
+      </p:cxnSp>
     </p:spTree>
     <p:extLst>
       <p:ext uri="{BB962C8B-B14F-4D97-AF65-F5344CB8AC3E}">
@@ -4322,9 +4553,12 @@
 </file>
 
 <file path=customXml/item1.xml><?xml version="1.0" encoding="utf-8"?>
-<p:properties xmlns:p="http://schemas.microsoft.com/office/2006/metadata/properties" xmlns:xsi="http://www.w3.org/2001/XMLSchema-instance" xmlns:pc="http://schemas.microsoft.com/office/infopath/2007/PartnerControls">
-  <documentManagement/>
-</p:properties>
+<?mso-contentType ?>
+<FormTemplates xmlns="http://schemas.microsoft.com/sharepoint/v3/contenttype/forms">
+  <Display>DocumentLibraryForm</Display>
+  <Edit>DocumentLibraryForm</Edit>
+  <New>DocumentLibraryForm</New>
+</FormTemplates>
 </file>
 
 <file path=customXml/item2.xml><?xml version="1.0" encoding="utf-8"?>
@@ -4539,27 +4773,15 @@
 </file>
 
 <file path=customXml/item3.xml><?xml version="1.0" encoding="utf-8"?>
-<?mso-contentType ?>
-<FormTemplates xmlns="http://schemas.microsoft.com/sharepoint/v3/contenttype/forms">
-  <Display>DocumentLibraryForm</Display>
-  <Edit>DocumentLibraryForm</Edit>
-  <New>DocumentLibraryForm</New>
-</FormTemplates>
+<p:properties xmlns:p="http://schemas.microsoft.com/office/2006/metadata/properties" xmlns:xsi="http://www.w3.org/2001/XMLSchema-instance" xmlns:pc="http://schemas.microsoft.com/office/infopath/2007/PartnerControls">
+  <documentManagement/>
+</p:properties>
 </file>
 
 <file path=customXml/itemProps1.xml><?xml version="1.0" encoding="utf-8"?>
-<ds:datastoreItem xmlns:ds="http://schemas.openxmlformats.org/officeDocument/2006/customXml" ds:itemID="{D9FB9450-938F-4F67-8244-AE56B2CBE379}">
+<ds:datastoreItem xmlns:ds="http://schemas.openxmlformats.org/officeDocument/2006/customXml" ds:itemID="{276A1665-EA1D-462E-9728-1E0C6794E895}">
   <ds:schemaRefs>
-    <ds:schemaRef ds:uri="93aadb1b-f078-425f-a07f-e2cc4bed1fef"/>
-    <ds:schemaRef ds:uri="fe025bb9-070a-4424-8929-b6cadbd5fdba"/>
-    <ds:schemaRef ds:uri="http://purl.org/dc/dcmitype/"/>
-    <ds:schemaRef ds:uri="http://purl.org/dc/elements/1.1/"/>
-    <ds:schemaRef ds:uri="http://purl.org/dc/terms/"/>
-    <ds:schemaRef ds:uri="http://schemas.microsoft.com/office/2006/documentManagement/types"/>
-    <ds:schemaRef ds:uri="http://schemas.microsoft.com/office/2006/metadata/properties"/>
-    <ds:schemaRef ds:uri="http://schemas.microsoft.com/office/infopath/2007/PartnerControls"/>
-    <ds:schemaRef ds:uri="http://schemas.openxmlformats.org/package/2006/metadata/core-properties"/>
-    <ds:schemaRef ds:uri="http://www.w3.org/XML/1998/namespace"/>
+    <ds:schemaRef ds:uri="http://schemas.microsoft.com/sharepoint/v3/contenttype/forms"/>
   </ds:schemaRefs>
 </ds:datastoreItem>
 </file>
@@ -4584,9 +4806,18 @@
 </file>
 
 <file path=customXml/itemProps3.xml><?xml version="1.0" encoding="utf-8"?>
-<ds:datastoreItem xmlns:ds="http://schemas.openxmlformats.org/officeDocument/2006/customXml" ds:itemID="{276A1665-EA1D-462E-9728-1E0C6794E895}">
+<ds:datastoreItem xmlns:ds="http://schemas.openxmlformats.org/officeDocument/2006/customXml" ds:itemID="{D9FB9450-938F-4F67-8244-AE56B2CBE379}">
   <ds:schemaRefs>
-    <ds:schemaRef ds:uri="http://schemas.microsoft.com/sharepoint/v3/contenttype/forms"/>
+    <ds:schemaRef ds:uri="93aadb1b-f078-425f-a07f-e2cc4bed1fef"/>
+    <ds:schemaRef ds:uri="fe025bb9-070a-4424-8929-b6cadbd5fdba"/>
+    <ds:schemaRef ds:uri="http://purl.org/dc/dcmitype/"/>
+    <ds:schemaRef ds:uri="http://purl.org/dc/elements/1.1/"/>
+    <ds:schemaRef ds:uri="http://purl.org/dc/terms/"/>
+    <ds:schemaRef ds:uri="http://schemas.microsoft.com/office/2006/documentManagement/types"/>
+    <ds:schemaRef ds:uri="http://schemas.microsoft.com/office/2006/metadata/properties"/>
+    <ds:schemaRef ds:uri="http://schemas.microsoft.com/office/infopath/2007/PartnerControls"/>
+    <ds:schemaRef ds:uri="http://schemas.openxmlformats.org/package/2006/metadata/core-properties"/>
+    <ds:schemaRef ds:uri="http://www.w3.org/XML/1998/namespace"/>
   </ds:schemaRefs>
 </ds:datastoreItem>
 </file>